--- a/Notebooks/07_Guided Capstone Presentation.pptx
+++ b/Notebooks/07_Guided Capstone Presentation.pptx
@@ -111,6 +111,11 @@
       </a:defRPr>
     </a:lvl9pPr>
   </p:defaultTextStyle>
+  <p:extLst>
+    <p:ext uri="{EFAFB233-063F-42B5-8137-9DF3F51BA10A}">
+      <p15:sldGuideLst xmlns:p15="http://schemas.microsoft.com/office/powerpoint/2012/main"/>
+    </p:ext>
+  </p:extLst>
 </p:presentation>
 </file>
 
@@ -288,7 +293,7 @@
           <a:bodyPr/>
           <a:lstStyle/>
           <a:p>
-            <a:endParaRPr lang="en-US"/>
+            <a:endParaRPr lang="en-US" dirty="0"/>
           </a:p>
         </p:txBody>
       </p:sp>
@@ -317,7 +322,7 @@
               <a:rPr lang="en-US" smtClean="0"/>
               <a:t>‹#›</a:t>
             </a:fld>
-            <a:endParaRPr lang="en-US"/>
+            <a:endParaRPr lang="en-US" dirty="0"/>
           </a:p>
         </p:txBody>
       </p:sp>
@@ -461,7 +466,7 @@
               <a:rPr lang="en-US" smtClean="0"/>
               <a:t>6/6/2022</a:t>
             </a:fld>
-            <a:endParaRPr lang="en-US"/>
+            <a:endParaRPr lang="en-US" dirty="0"/>
           </a:p>
         </p:txBody>
       </p:sp>
@@ -486,7 +491,7 @@
           <a:bodyPr/>
           <a:lstStyle/>
           <a:p>
-            <a:endParaRPr lang="en-US"/>
+            <a:endParaRPr lang="en-US" dirty="0"/>
           </a:p>
         </p:txBody>
       </p:sp>
@@ -515,7 +520,7 @@
               <a:rPr lang="en-US" smtClean="0"/>
               <a:t>‹#›</a:t>
             </a:fld>
-            <a:endParaRPr lang="en-US"/>
+            <a:endParaRPr lang="en-US" dirty="0"/>
           </a:p>
         </p:txBody>
       </p:sp>
@@ -669,7 +674,7 @@
               <a:rPr lang="en-US" smtClean="0"/>
               <a:t>6/6/2022</a:t>
             </a:fld>
-            <a:endParaRPr lang="en-US"/>
+            <a:endParaRPr lang="en-US" dirty="0"/>
           </a:p>
         </p:txBody>
       </p:sp>
@@ -694,7 +699,7 @@
           <a:bodyPr/>
           <a:lstStyle/>
           <a:p>
-            <a:endParaRPr lang="en-US"/>
+            <a:endParaRPr lang="en-US" dirty="0"/>
           </a:p>
         </p:txBody>
       </p:sp>
@@ -723,7 +728,7 @@
               <a:rPr lang="en-US" smtClean="0"/>
               <a:t>‹#›</a:t>
             </a:fld>
-            <a:endParaRPr lang="en-US"/>
+            <a:endParaRPr lang="en-US" dirty="0"/>
           </a:p>
         </p:txBody>
       </p:sp>
@@ -867,7 +872,7 @@
               <a:rPr lang="en-US" smtClean="0"/>
               <a:t>6/6/2022</a:t>
             </a:fld>
-            <a:endParaRPr lang="en-US"/>
+            <a:endParaRPr lang="en-US" dirty="0"/>
           </a:p>
         </p:txBody>
       </p:sp>
@@ -892,7 +897,7 @@
           <a:bodyPr/>
           <a:lstStyle/>
           <a:p>
-            <a:endParaRPr lang="en-US"/>
+            <a:endParaRPr lang="en-US" dirty="0"/>
           </a:p>
         </p:txBody>
       </p:sp>
@@ -921,7 +926,7 @@
               <a:rPr lang="en-US" smtClean="0"/>
               <a:t>‹#›</a:t>
             </a:fld>
-            <a:endParaRPr lang="en-US"/>
+            <a:endParaRPr lang="en-US" dirty="0"/>
           </a:p>
         </p:txBody>
       </p:sp>
@@ -1142,7 +1147,7 @@
               <a:rPr lang="en-US" smtClean="0"/>
               <a:t>6/6/2022</a:t>
             </a:fld>
-            <a:endParaRPr lang="en-US"/>
+            <a:endParaRPr lang="en-US" dirty="0"/>
           </a:p>
         </p:txBody>
       </p:sp>
@@ -1167,7 +1172,7 @@
           <a:bodyPr/>
           <a:lstStyle/>
           <a:p>
-            <a:endParaRPr lang="en-US"/>
+            <a:endParaRPr lang="en-US" dirty="0"/>
           </a:p>
         </p:txBody>
       </p:sp>
@@ -1196,7 +1201,7 @@
               <a:rPr lang="en-US" smtClean="0"/>
               <a:t>‹#›</a:t>
             </a:fld>
-            <a:endParaRPr lang="en-US"/>
+            <a:endParaRPr lang="en-US" dirty="0"/>
           </a:p>
         </p:txBody>
       </p:sp>
@@ -1407,7 +1412,7 @@
               <a:rPr lang="en-US" smtClean="0"/>
               <a:t>6/6/2022</a:t>
             </a:fld>
-            <a:endParaRPr lang="en-US"/>
+            <a:endParaRPr lang="en-US" dirty="0"/>
           </a:p>
         </p:txBody>
       </p:sp>
@@ -1432,7 +1437,7 @@
           <a:bodyPr/>
           <a:lstStyle/>
           <a:p>
-            <a:endParaRPr lang="en-US"/>
+            <a:endParaRPr lang="en-US" dirty="0"/>
           </a:p>
         </p:txBody>
       </p:sp>
@@ -1461,7 +1466,7 @@
               <a:rPr lang="en-US" smtClean="0"/>
               <a:t>‹#›</a:t>
             </a:fld>
-            <a:endParaRPr lang="en-US"/>
+            <a:endParaRPr lang="en-US" dirty="0"/>
           </a:p>
         </p:txBody>
       </p:sp>
@@ -1819,7 +1824,7 @@
               <a:rPr lang="en-US" smtClean="0"/>
               <a:t>6/6/2022</a:t>
             </a:fld>
-            <a:endParaRPr lang="en-US"/>
+            <a:endParaRPr lang="en-US" dirty="0"/>
           </a:p>
         </p:txBody>
       </p:sp>
@@ -1844,7 +1849,7 @@
           <a:bodyPr/>
           <a:lstStyle/>
           <a:p>
-            <a:endParaRPr lang="en-US"/>
+            <a:endParaRPr lang="en-US" dirty="0"/>
           </a:p>
         </p:txBody>
       </p:sp>
@@ -1873,7 +1878,7 @@
               <a:rPr lang="en-US" smtClean="0"/>
               <a:t>‹#›</a:t>
             </a:fld>
-            <a:endParaRPr lang="en-US"/>
+            <a:endParaRPr lang="en-US" dirty="0"/>
           </a:p>
         </p:txBody>
       </p:sp>
@@ -1960,7 +1965,7 @@
               <a:rPr lang="en-US" smtClean="0"/>
               <a:t>6/6/2022</a:t>
             </a:fld>
-            <a:endParaRPr lang="en-US"/>
+            <a:endParaRPr lang="en-US" dirty="0"/>
           </a:p>
         </p:txBody>
       </p:sp>
@@ -1985,7 +1990,7 @@
           <a:bodyPr/>
           <a:lstStyle/>
           <a:p>
-            <a:endParaRPr lang="en-US"/>
+            <a:endParaRPr lang="en-US" dirty="0"/>
           </a:p>
         </p:txBody>
       </p:sp>
@@ -2014,7 +2019,7 @@
               <a:rPr lang="en-US" smtClean="0"/>
               <a:t>‹#›</a:t>
             </a:fld>
-            <a:endParaRPr lang="en-US"/>
+            <a:endParaRPr lang="en-US" dirty="0"/>
           </a:p>
         </p:txBody>
       </p:sp>
@@ -2073,7 +2078,7 @@
               <a:rPr lang="en-US" smtClean="0"/>
               <a:t>6/6/2022</a:t>
             </a:fld>
-            <a:endParaRPr lang="en-US"/>
+            <a:endParaRPr lang="en-US" dirty="0"/>
           </a:p>
         </p:txBody>
       </p:sp>
@@ -2098,7 +2103,7 @@
           <a:bodyPr/>
           <a:lstStyle/>
           <a:p>
-            <a:endParaRPr lang="en-US"/>
+            <a:endParaRPr lang="en-US" dirty="0"/>
           </a:p>
         </p:txBody>
       </p:sp>
@@ -2127,7 +2132,7 @@
               <a:rPr lang="en-US" smtClean="0"/>
               <a:t>‹#›</a:t>
             </a:fld>
-            <a:endParaRPr lang="en-US"/>
+            <a:endParaRPr lang="en-US" dirty="0"/>
           </a:p>
         </p:txBody>
       </p:sp>
@@ -2384,7 +2389,7 @@
               <a:rPr lang="en-US" smtClean="0"/>
               <a:t>6/6/2022</a:t>
             </a:fld>
-            <a:endParaRPr lang="en-US"/>
+            <a:endParaRPr lang="en-US" dirty="0"/>
           </a:p>
         </p:txBody>
       </p:sp>
@@ -2409,7 +2414,7 @@
           <a:bodyPr/>
           <a:lstStyle/>
           <a:p>
-            <a:endParaRPr lang="en-US"/>
+            <a:endParaRPr lang="en-US" dirty="0"/>
           </a:p>
         </p:txBody>
       </p:sp>
@@ -2438,7 +2443,7 @@
               <a:rPr lang="en-US" smtClean="0"/>
               <a:t>‹#›</a:t>
             </a:fld>
-            <a:endParaRPr lang="en-US"/>
+            <a:endParaRPr lang="en-US" dirty="0"/>
           </a:p>
         </p:txBody>
       </p:sp>
@@ -2573,7 +2578,7 @@
           </a:lstStyle>
           <a:p>
             <a:r>
-              <a:rPr lang="en-US"/>
+              <a:rPr lang="en-US" dirty="0"/>
               <a:t>Click icon to add picture</a:t>
             </a:r>
           </a:p>
@@ -2675,7 +2680,7 @@
               <a:rPr lang="en-US" smtClean="0"/>
               <a:t>6/6/2022</a:t>
             </a:fld>
-            <a:endParaRPr lang="en-US"/>
+            <a:endParaRPr lang="en-US" dirty="0"/>
           </a:p>
         </p:txBody>
       </p:sp>
@@ -2700,7 +2705,7 @@
           <a:bodyPr/>
           <a:lstStyle/>
           <a:p>
-            <a:endParaRPr lang="en-US"/>
+            <a:endParaRPr lang="en-US" dirty="0"/>
           </a:p>
         </p:txBody>
       </p:sp>
@@ -2729,7 +2734,7 @@
               <a:rPr lang="en-US" smtClean="0"/>
               <a:t>‹#›</a:t>
             </a:fld>
-            <a:endParaRPr lang="en-US"/>
+            <a:endParaRPr lang="en-US" dirty="0"/>
           </a:p>
         </p:txBody>
       </p:sp>
@@ -2945,7 +2950,7 @@
           <a:lstStyle/>
           <a:p>
             <a:pPr algn="ctr"/>
-            <a:endParaRPr/>
+            <a:endParaRPr dirty="0"/>
           </a:p>
         </p:txBody>
       </p:sp>
@@ -3062,7 +3067,7 @@
           <a:lstStyle/>
           <a:p>
             <a:pPr algn="ctr"/>
-            <a:endParaRPr/>
+            <a:endParaRPr dirty="0"/>
           </a:p>
         </p:txBody>
       </p:sp>
@@ -3485,7 +3490,7 @@
           <a:lstStyle/>
           <a:p>
             <a:pPr algn="ctr"/>
-            <a:endParaRPr lang="en-US"/>
+            <a:endParaRPr lang="en-US" dirty="0"/>
           </a:p>
         </p:txBody>
       </p:sp>
@@ -3733,7 +3738,7 @@
             <a:bodyPr rtlCol="0" anchor="ctr"/>
             <a:lstStyle/>
             <a:p>
-              <a:endParaRPr lang="en-US"/>
+              <a:endParaRPr lang="en-US" dirty="0"/>
             </a:p>
           </p:txBody>
         </p:sp>
@@ -4000,7 +4005,7 @@
             <a:bodyPr rtlCol="0" anchor="ctr"/>
             <a:lstStyle/>
             <a:p>
-              <a:endParaRPr lang="en-US"/>
+              <a:endParaRPr lang="en-US" dirty="0"/>
             </a:p>
           </p:txBody>
         </p:sp>
@@ -4247,7 +4252,7 @@
             <a:bodyPr rtlCol="0" anchor="ctr"/>
             <a:lstStyle/>
             <a:p>
-              <a:endParaRPr lang="en-US"/>
+              <a:endParaRPr lang="en-US" dirty="0"/>
             </a:p>
           </p:txBody>
         </p:sp>
@@ -4464,7 +4469,7 @@
             <a:bodyPr rtlCol="0" anchor="ctr"/>
             <a:lstStyle/>
             <a:p>
-              <a:endParaRPr lang="en-US"/>
+              <a:endParaRPr lang="en-US" dirty="0"/>
             </a:p>
           </p:txBody>
         </p:sp>
@@ -4621,7 +4626,7 @@
             <a:bodyPr rtlCol="0" anchor="ctr"/>
             <a:lstStyle/>
             <a:p>
-              <a:endParaRPr lang="en-US"/>
+              <a:endParaRPr lang="en-US" dirty="0"/>
             </a:p>
           </p:txBody>
         </p:sp>
@@ -4758,7 +4763,7 @@
             <a:bodyPr rtlCol="0" anchor="ctr"/>
             <a:lstStyle/>
             <a:p>
-              <a:endParaRPr lang="en-US"/>
+              <a:endParaRPr lang="en-US" dirty="0"/>
             </a:p>
           </p:txBody>
         </p:sp>
@@ -5274,7 +5279,7 @@
             <a:bodyPr rtlCol="0" anchor="ctr"/>
             <a:lstStyle/>
             <a:p>
-              <a:endParaRPr lang="en-US"/>
+              <a:endParaRPr lang="en-US" dirty="0"/>
             </a:p>
           </p:txBody>
         </p:sp>
@@ -5561,7 +5566,7 @@
             <a:bodyPr rtlCol="0" anchor="ctr"/>
             <a:lstStyle/>
             <a:p>
-              <a:endParaRPr lang="en-US"/>
+              <a:endParaRPr lang="en-US" dirty="0"/>
             </a:p>
           </p:txBody>
         </p:sp>
@@ -5628,7 +5633,7 @@
             <a:bodyPr rtlCol="0" anchor="ctr"/>
             <a:lstStyle/>
             <a:p>
-              <a:endParaRPr lang="en-US"/>
+              <a:endParaRPr lang="en-US" dirty="0"/>
             </a:p>
           </p:txBody>
         </p:sp>
@@ -5695,7 +5700,7 @@
             <a:bodyPr rtlCol="0" anchor="ctr"/>
             <a:lstStyle/>
             <a:p>
-              <a:endParaRPr lang="en-US"/>
+              <a:endParaRPr lang="en-US" dirty="0"/>
             </a:p>
           </p:txBody>
         </p:sp>
@@ -5852,7 +5857,7 @@
             <a:bodyPr rtlCol="0" anchor="ctr"/>
             <a:lstStyle/>
             <a:p>
-              <a:endParaRPr lang="en-US"/>
+              <a:endParaRPr lang="en-US" dirty="0"/>
             </a:p>
           </p:txBody>
         </p:sp>
@@ -6019,7 +6024,7 @@
             <a:bodyPr rtlCol="0" anchor="ctr"/>
             <a:lstStyle/>
             <a:p>
-              <a:endParaRPr lang="en-US"/>
+              <a:endParaRPr lang="en-US" dirty="0"/>
             </a:p>
           </p:txBody>
         </p:sp>
@@ -6206,7 +6211,7 @@
             <a:bodyPr rtlCol="0" anchor="ctr"/>
             <a:lstStyle/>
             <a:p>
-              <a:endParaRPr lang="en-US"/>
+              <a:endParaRPr lang="en-US" dirty="0"/>
             </a:p>
           </p:txBody>
         </p:sp>
@@ -6407,7 +6412,7 @@
             </a:lvl1pPr>
           </a:lstStyle>
           <a:p>
-            <a:endParaRPr lang="en-US"/>
+            <a:endParaRPr lang="en-US" dirty="0"/>
           </a:p>
         </p:txBody>
       </p:sp>
@@ -6456,7 +6461,7 @@
               <a:pPr/>
               <a:t>‹#›</a:t>
             </a:fld>
-            <a:endParaRPr lang="en-US"/>
+            <a:endParaRPr lang="en-US" dirty="0"/>
           </a:p>
         </p:txBody>
       </p:sp>
@@ -7344,7 +7349,7 @@
             <a:bodyPr rtlCol="0" anchor="ctr"/>
             <a:lstStyle/>
             <a:p>
-              <a:endParaRPr lang="en-US"/>
+              <a:endParaRPr lang="en-US" dirty="0"/>
             </a:p>
           </p:txBody>
         </p:sp>
@@ -7620,7 +7625,7 @@
             <a:bodyPr rtlCol="0" anchor="ctr"/>
             <a:lstStyle/>
             <a:p>
-              <a:endParaRPr lang="en-US"/>
+              <a:endParaRPr lang="en-US" dirty="0"/>
             </a:p>
           </p:txBody>
         </p:sp>
@@ -7876,7 +7881,7 @@
             <a:bodyPr rtlCol="0" anchor="ctr"/>
             <a:lstStyle/>
             <a:p>
-              <a:endParaRPr lang="en-US"/>
+              <a:endParaRPr lang="en-US" dirty="0"/>
             </a:p>
           </p:txBody>
         </p:sp>
@@ -8102,7 +8107,7 @@
             <a:bodyPr rtlCol="0" anchor="ctr"/>
             <a:lstStyle/>
             <a:p>
-              <a:endParaRPr lang="en-US"/>
+              <a:endParaRPr lang="en-US" dirty="0"/>
             </a:p>
           </p:txBody>
         </p:sp>
@@ -8268,7 +8273,7 @@
             <a:bodyPr rtlCol="0" anchor="ctr"/>
             <a:lstStyle/>
             <a:p>
-              <a:endParaRPr lang="en-US"/>
+              <a:endParaRPr lang="en-US" dirty="0"/>
             </a:p>
           </p:txBody>
         </p:sp>
@@ -8414,7 +8419,7 @@
             <a:bodyPr rtlCol="0" anchor="ctr"/>
             <a:lstStyle/>
             <a:p>
-              <a:endParaRPr lang="en-US"/>
+              <a:endParaRPr lang="en-US" dirty="0"/>
             </a:p>
           </p:txBody>
         </p:sp>
@@ -9225,7 +9230,7 @@
               <a:bodyPr rtlCol="0" anchor="ctr"/>
               <a:lstStyle/>
               <a:p>
-                <a:endParaRPr lang="en-US"/>
+                <a:endParaRPr lang="en-US" dirty="0"/>
               </a:p>
             </p:txBody>
           </p:sp>
@@ -9521,7 +9526,7 @@
               <a:bodyPr rtlCol="0" anchor="ctr"/>
               <a:lstStyle/>
               <a:p>
-                <a:endParaRPr lang="en-US"/>
+                <a:endParaRPr lang="en-US" dirty="0"/>
               </a:p>
             </p:txBody>
           </p:sp>
@@ -9597,7 +9602,7 @@
               <a:bodyPr rtlCol="0" anchor="ctr"/>
               <a:lstStyle/>
               <a:p>
-                <a:endParaRPr lang="en-US"/>
+                <a:endParaRPr lang="en-US" dirty="0"/>
               </a:p>
             </p:txBody>
           </p:sp>
@@ -9673,7 +9678,7 @@
               <a:bodyPr rtlCol="0" anchor="ctr"/>
               <a:lstStyle/>
               <a:p>
-                <a:endParaRPr lang="en-US"/>
+                <a:endParaRPr lang="en-US" dirty="0"/>
               </a:p>
             </p:txBody>
           </p:sp>
@@ -9839,7 +9844,7 @@
               <a:bodyPr rtlCol="0" anchor="ctr"/>
               <a:lstStyle/>
               <a:p>
-                <a:endParaRPr lang="en-US"/>
+                <a:endParaRPr lang="en-US" dirty="0"/>
               </a:p>
             </p:txBody>
           </p:sp>
@@ -10015,7 +10020,7 @@
               <a:bodyPr rtlCol="0" anchor="ctr"/>
               <a:lstStyle/>
               <a:p>
-                <a:endParaRPr lang="en-US"/>
+                <a:endParaRPr lang="en-US" dirty="0"/>
               </a:p>
             </p:txBody>
           </p:sp>
@@ -10211,7 +10216,7 @@
               <a:bodyPr rtlCol="0" anchor="ctr"/>
               <a:lstStyle/>
               <a:p>
-                <a:endParaRPr lang="en-US"/>
+                <a:endParaRPr lang="en-US" dirty="0"/>
               </a:p>
             </p:txBody>
           </p:sp>
@@ -10644,7 +10649,7 @@
             <a:lstStyle/>
             <a:p>
               <a:pPr algn="ctr"/>
-              <a:endParaRPr lang="en-US"/>
+              <a:endParaRPr lang="en-US" dirty="0"/>
             </a:p>
           </p:txBody>
         </p:sp>
@@ -10928,10 +10933,12 @@
         </p:nvSpPr>
         <p:spPr/>
         <p:txBody>
-          <a:bodyPr/>
+          <a:bodyPr>
+            <a:normAutofit/>
+          </a:bodyPr>
           <a:lstStyle/>
           <a:p>
-            <a:pPr marL="0" marR="0" indent="0">
+            <a:pPr marL="0" marR="0">
               <a:lnSpc>
                 <a:spcPct val="150000"/>
               </a:lnSpc>
@@ -10941,16 +10948,15 @@
               <a:spcAft>
                 <a:spcPts val="0"/>
               </a:spcAft>
-              <a:buNone/>
             </a:pPr>
             <a:r>
-              <a:rPr lang="en-US" sz="1800" b="1" dirty="0">
+              <a:rPr lang="en-US" sz="1800" dirty="0">
                 <a:effectLst/>
                 <a:latin typeface="Calibri" panose="020F0502020204030204" pitchFamily="34" charset="0"/>
                 <a:ea typeface="Calibri" panose="020F0502020204030204" pitchFamily="34" charset="0"/>
                 <a:cs typeface="Calibri" panose="020F0502020204030204" pitchFamily="34" charset="0"/>
               </a:rPr>
-              <a:t>Recommendations:</a:t>
+              <a:t>Big Mountain should increase their ticket price to $85.50 which is $4.50 more than the current ticket price.</a:t>
             </a:r>
           </a:p>
           <a:p>
@@ -10972,16 +10978,28 @@
                 <a:ea typeface="Calibri" panose="020F0502020204030204" pitchFamily="34" charset="0"/>
                 <a:cs typeface="Calibri" panose="020F0502020204030204" pitchFamily="34" charset="0"/>
               </a:rPr>
-              <a:t>Big Mountain should increase their ticket price </a:t>
+              <a:t>Adding an additional ski lift along with increasing the vertical drop by 150 ft and adding an additional run would increase the ticket price by an additional $1.99. </a:t>
             </a:r>
+          </a:p>
+          <a:p>
+            <a:pPr marL="0" marR="0">
+              <a:lnSpc>
+                <a:spcPct val="150000"/>
+              </a:lnSpc>
+              <a:spcBef>
+                <a:spcPts val="0"/>
+              </a:spcBef>
+              <a:spcAft>
+                <a:spcPts val="0"/>
+              </a:spcAft>
+            </a:pPr>
             <a:r>
-              <a:rPr lang="en-US" sz="1800">
-                <a:effectLst/>
+              <a:rPr lang="en-US" sz="1800" dirty="0">
                 <a:latin typeface="Calibri" panose="020F0502020204030204" pitchFamily="34" charset="0"/>
                 <a:ea typeface="Calibri" panose="020F0502020204030204" pitchFamily="34" charset="0"/>
                 <a:cs typeface="Calibri" panose="020F0502020204030204" pitchFamily="34" charset="0"/>
               </a:rPr>
-              <a:t>to $85.50 </a:t>
+              <a:t>If a new ski lift is added, closing 2 </a:t>
             </a:r>
             <a:r>
               <a:rPr lang="en-US" sz="1800" dirty="0">
@@ -10990,25 +11008,7 @@
                 <a:ea typeface="Calibri" panose="020F0502020204030204" pitchFamily="34" charset="0"/>
                 <a:cs typeface="Calibri" panose="020F0502020204030204" pitchFamily="34" charset="0"/>
               </a:rPr>
-              <a:t>which </a:t>
-            </a:r>
-            <a:r>
-              <a:rPr lang="en-US" sz="1800">
-                <a:effectLst/>
-                <a:latin typeface="Calibri" panose="020F0502020204030204" pitchFamily="34" charset="0"/>
-                <a:ea typeface="Calibri" panose="020F0502020204030204" pitchFamily="34" charset="0"/>
-                <a:cs typeface="Calibri" panose="020F0502020204030204" pitchFamily="34" charset="0"/>
-              </a:rPr>
-              <a:t>is $4.50 </a:t>
-            </a:r>
-            <a:r>
-              <a:rPr lang="en-US" sz="1800" dirty="0">
-                <a:effectLst/>
-                <a:latin typeface="Calibri" panose="020F0502020204030204" pitchFamily="34" charset="0"/>
-                <a:ea typeface="Calibri" panose="020F0502020204030204" pitchFamily="34" charset="0"/>
-                <a:cs typeface="Calibri" panose="020F0502020204030204" pitchFamily="34" charset="0"/>
-              </a:rPr>
-              <a:t>more than the current ticket price.</a:t>
+              <a:t>of the least used runs would not result in a decrease of ticket price and would save on operation costs. </a:t>
             </a:r>
           </a:p>
           <a:p>
@@ -11030,7 +11030,7 @@
                 <a:ea typeface="Calibri" panose="020F0502020204030204" pitchFamily="34" charset="0"/>
                 <a:cs typeface="Calibri" panose="020F0502020204030204" pitchFamily="34" charset="0"/>
               </a:rPr>
-              <a:t>Adding an additional ski lift along with increasing the vertical drop by 150 ft and adding an additional run would increase the ticket price by an additional $1.99 They should then close 2 of the least used runs in order to save on operation costs. This would increase their ticket price by an additional 1.99 which would make the price 87.50 after rounding, which is a total of 6.50 more.</a:t>
+              <a:t>These changes would lead to a ticket price of $87.50 after rounding, which is a total of $6.50 more than the current price.</a:t>
             </a:r>
             <a:endParaRPr lang="en-US" sz="1800" dirty="0">
               <a:effectLst/>
@@ -11058,35 +11058,7 @@
                 <a:ea typeface="Calibri" panose="020F0502020204030204" pitchFamily="34" charset="0"/>
                 <a:cs typeface="Calibri" panose="020F0502020204030204" pitchFamily="34" charset="0"/>
               </a:rPr>
-              <a:t> </a:t>
-            </a:r>
-            <a:endParaRPr lang="en-US" sz="1800" dirty="0">
-              <a:effectLst/>
-              <a:latin typeface="Calibri" panose="020F0502020204030204" pitchFamily="34" charset="0"/>
-              <a:ea typeface="Calibri" panose="020F0502020204030204" pitchFamily="34" charset="0"/>
-              <a:cs typeface="Times New Roman" panose="02020603050405020304" pitchFamily="18" charset="0"/>
-            </a:endParaRPr>
-          </a:p>
-          <a:p>
-            <a:pPr marL="0" marR="0">
-              <a:lnSpc>
-                <a:spcPct val="150000"/>
-              </a:lnSpc>
-              <a:spcBef>
-                <a:spcPts val="0"/>
-              </a:spcBef>
-              <a:spcAft>
-                <a:spcPts val="0"/>
-              </a:spcAft>
-            </a:pPr>
-            <a:r>
-              <a:rPr lang="en-US" sz="1800" dirty="0">
-                <a:effectLst/>
-                <a:latin typeface="Calibri" panose="020F0502020204030204" pitchFamily="34" charset="0"/>
-                <a:ea typeface="Calibri" panose="020F0502020204030204" pitchFamily="34" charset="0"/>
-                <a:cs typeface="Calibri" panose="020F0502020204030204" pitchFamily="34" charset="0"/>
-              </a:rPr>
-              <a:t>As the expected number of visitors over the season is 350,000 and, on average, visitors ski for five days, this would indicate a season revenue increase of 11,375,000. As the additional ski lift increases operation costs by 1,540,000, this would mean additional profits of 9,835,000.</a:t>
+              <a:t>As the expected number of visitors over the season is 350,000 and, on average, visitors ski for five days, this would indicate a season revenue increase of $11,375,000. As the additional ski lift increases operation costs by $1,540,000, this would mean additional profits of $9,835,000.</a:t>
             </a:r>
             <a:endParaRPr lang="en-US" sz="1800" dirty="0">
               <a:effectLst/>
@@ -11146,7 +11118,12 @@
             <p:ph type="title"/>
           </p:nvPr>
         </p:nvSpPr>
-        <p:spPr/>
+        <p:spPr>
+          <a:xfrm>
+            <a:off x="838200" y="103592"/>
+            <a:ext cx="10515600" cy="1325563"/>
+          </a:xfrm>
+        </p:spPr>
         <p:txBody>
           <a:bodyPr/>
           <a:lstStyle/>
@@ -11174,15 +11151,92 @@
             <p:ph idx="1"/>
           </p:nvPr>
         </p:nvSpPr>
-        <p:spPr/>
+        <p:spPr>
+          <a:xfrm>
+            <a:off x="6307494" y="1429155"/>
+            <a:ext cx="5635690" cy="4351338"/>
+          </a:xfrm>
+        </p:spPr>
         <p:txBody>
-          <a:bodyPr/>
+          <a:bodyPr>
+            <a:normAutofit/>
+          </a:bodyPr>
           <a:lstStyle/>
           <a:p>
-            <a:endParaRPr lang="en-US"/>
+            <a:r>
+              <a:rPr lang="en-US" sz="1800" dirty="0">
+                <a:latin typeface="Calibri" panose="020F0502020204030204" pitchFamily="34" charset="0"/>
+                <a:cs typeface="Calibri" panose="020F0502020204030204" pitchFamily="34" charset="0"/>
+              </a:rPr>
+              <a:t>As there were a total of 27 attributes in the provided data, it was important to determine which attributes had higher effect on the ticket price than others.</a:t>
+            </a:r>
+          </a:p>
+          <a:p>
+            <a:r>
+              <a:rPr lang="en-US" sz="1800" dirty="0">
+                <a:latin typeface="Calibri" panose="020F0502020204030204" pitchFamily="34" charset="0"/>
+                <a:cs typeface="Calibri" panose="020F0502020204030204" pitchFamily="34" charset="0"/>
+              </a:rPr>
+              <a:t>In order to do this, I created a heat map which indicates the correlation between attributes to determine the key attributes.</a:t>
+            </a:r>
+          </a:p>
+          <a:p>
+            <a:r>
+              <a:rPr lang="en-US" sz="1800" dirty="0">
+                <a:effectLst/>
+                <a:latin typeface="Calibri" panose="020F0502020204030204" pitchFamily="34" charset="0"/>
+                <a:ea typeface="Calibri" panose="020F0502020204030204" pitchFamily="34" charset="0"/>
+              </a:rPr>
+              <a:t>Noted that the following features are significant to further analysis as they are highly correlated with ticket price: vertical drops, fastQuads, runs, total chairs, snowmaking_ac. </a:t>
+            </a:r>
+            <a:endParaRPr lang="en-US" sz="1800" dirty="0">
+              <a:latin typeface="Calibri" panose="020F0502020204030204" pitchFamily="34" charset="0"/>
+              <a:cs typeface="Calibri" panose="020F0502020204030204" pitchFamily="34" charset="0"/>
+            </a:endParaRPr>
           </a:p>
         </p:txBody>
       </p:sp>
+      <p:pic>
+        <p:nvPicPr>
+          <p:cNvPr id="4" name="Picture 3" descr="A picture containing text&#10;&#10;Description automatically generated">
+            <a:extLst>
+              <a:ext uri="{FF2B5EF4-FFF2-40B4-BE49-F238E27FC236}">
+                <a16:creationId xmlns:a16="http://schemas.microsoft.com/office/drawing/2014/main" id="{0DB83A60-D545-FB73-C59F-74F024397E1F}"/>
+              </a:ext>
+            </a:extLst>
+          </p:cNvPr>
+          <p:cNvPicPr>
+            <a:picLocks noChangeAspect="1"/>
+          </p:cNvPicPr>
+          <p:nvPr/>
+        </p:nvPicPr>
+        <p:blipFill>
+          <a:blip r:embed="rId2">
+            <a:extLst>
+              <a:ext uri="{28A0092B-C50C-407E-A947-70E740481C1C}">
+                <a14:useLocalDpi xmlns:a14="http://schemas.microsoft.com/office/drawing/2010/main" val="0"/>
+              </a:ext>
+            </a:extLst>
+          </a:blip>
+          <a:srcRect/>
+          <a:stretch>
+            <a:fillRect/>
+          </a:stretch>
+        </p:blipFill>
+        <p:spPr bwMode="auto">
+          <a:xfrm>
+            <a:off x="102636" y="1429155"/>
+            <a:ext cx="5883136" cy="5307547"/>
+          </a:xfrm>
+          <a:prstGeom prst="rect">
+            <a:avLst/>
+          </a:prstGeom>
+          <a:noFill/>
+          <a:ln>
+            <a:noFill/>
+          </a:ln>
+        </p:spPr>
+      </p:pic>
     </p:spTree>
     <p:extLst>
       <p:ext uri="{BB962C8B-B14F-4D97-AF65-F5344CB8AC3E}">
@@ -11257,15 +11311,117 @@
             <p:ph idx="1"/>
           </p:nvPr>
         </p:nvSpPr>
-        <p:spPr/>
+        <p:spPr>
+          <a:xfrm>
+            <a:off x="838200" y="1825625"/>
+            <a:ext cx="5127173" cy="4351338"/>
+          </a:xfrm>
+        </p:spPr>
         <p:txBody>
-          <a:bodyPr/>
+          <a:bodyPr>
+            <a:normAutofit lnSpcReduction="10000"/>
+          </a:bodyPr>
           <a:lstStyle/>
           <a:p>
-            <a:endParaRPr lang="en-US"/>
+            <a:pPr marL="0" indent="0">
+              <a:buNone/>
+            </a:pPr>
+            <a:r>
+              <a:rPr lang="en-US" sz="1800" u="sng" dirty="0">
+                <a:effectLst/>
+                <a:latin typeface="Calibri" panose="020F0502020204030204" pitchFamily="34" charset="0"/>
+                <a:ea typeface="Calibri" panose="020F0502020204030204" pitchFamily="34" charset="0"/>
+              </a:rPr>
+              <a:t>Created a model to predict ticket prices:</a:t>
+            </a:r>
+          </a:p>
+          <a:p>
+            <a:r>
+              <a:rPr lang="en-US" sz="1800" dirty="0">
+                <a:effectLst/>
+                <a:latin typeface="Calibri" panose="020F0502020204030204" pitchFamily="34" charset="0"/>
+                <a:ea typeface="Calibri" panose="020F0502020204030204" pitchFamily="34" charset="0"/>
+              </a:rPr>
+              <a:t>Determined the Big Mountain Resort modelled price is $95.87 with an expected mean absolute error of $10.39, while the actual price is $81.00.</a:t>
+            </a:r>
+          </a:p>
+          <a:p>
+            <a:pPr marL="0" indent="0">
+              <a:buNone/>
+            </a:pPr>
+            <a:r>
+              <a:rPr lang="en-US" sz="1800" u="sng" dirty="0">
+                <a:effectLst/>
+                <a:latin typeface="Calibri" panose="020F0502020204030204" pitchFamily="34" charset="0"/>
+                <a:ea typeface="Calibri" panose="020F0502020204030204" pitchFamily="34" charset="0"/>
+              </a:rPr>
+              <a:t>Used the model to predict the result of 4 scenarios:</a:t>
+            </a:r>
+          </a:p>
+          <a:p>
+            <a:r>
+              <a:rPr lang="en-US" sz="1800" dirty="0">
+                <a:effectLst/>
+                <a:latin typeface="Calibri" panose="020F0502020204030204" pitchFamily="34" charset="0"/>
+                <a:ea typeface="Calibri" panose="020F0502020204030204" pitchFamily="34" charset="0"/>
+              </a:rPr>
+              <a:t>The first scenario predicted the change in ticket price if they should close up to 10 of the least used runs.</a:t>
+            </a:r>
+          </a:p>
+          <a:p>
+            <a:r>
+              <a:rPr lang="en-US" sz="1800" dirty="0">
+                <a:effectLst/>
+                <a:latin typeface="Calibri" panose="020F0502020204030204" pitchFamily="34" charset="0"/>
+                <a:ea typeface="Calibri" panose="020F0502020204030204" pitchFamily="34" charset="0"/>
+              </a:rPr>
+              <a:t>Noted that closing 1 run makes no difference, however closing 2-3 runs decreased the price, but at that point closing an additional 1-2 runs will not change the price. Once you close 6 runs, the price drops significantly.</a:t>
+            </a:r>
+            <a:endParaRPr lang="en-US" dirty="0"/>
           </a:p>
         </p:txBody>
       </p:sp>
+      <p:pic>
+        <p:nvPicPr>
+          <p:cNvPr id="7" name="Picture 6" descr="Chart, line chart&#10;&#10;Description automatically generated">
+            <a:extLst>
+              <a:ext uri="{FF2B5EF4-FFF2-40B4-BE49-F238E27FC236}">
+                <a16:creationId xmlns:a16="http://schemas.microsoft.com/office/drawing/2014/main" id="{EC62264B-FDCA-4AF9-F6C8-824C13409F1A}"/>
+              </a:ext>
+            </a:extLst>
+          </p:cNvPr>
+          <p:cNvPicPr>
+            <a:picLocks noChangeAspect="1"/>
+          </p:cNvPicPr>
+          <p:nvPr/>
+        </p:nvPicPr>
+        <p:blipFill>
+          <a:blip r:embed="rId2">
+            <a:extLst>
+              <a:ext uri="{28A0092B-C50C-407E-A947-70E740481C1C}">
+                <a14:useLocalDpi xmlns:a14="http://schemas.microsoft.com/office/drawing/2010/main" val="0"/>
+              </a:ext>
+            </a:extLst>
+          </a:blip>
+          <a:srcRect/>
+          <a:stretch>
+            <a:fillRect/>
+          </a:stretch>
+        </p:blipFill>
+        <p:spPr bwMode="auto">
+          <a:xfrm>
+            <a:off x="6226628" y="2476662"/>
+            <a:ext cx="5714015" cy="3049263"/>
+          </a:xfrm>
+          <a:prstGeom prst="rect">
+            <a:avLst/>
+          </a:prstGeom>
+          <a:noFill/>
+          <a:ln>
+            <a:noFill/>
+          </a:ln>
+        </p:spPr>
+      </p:pic>
     </p:spTree>
     <p:extLst>
       <p:ext uri="{BB962C8B-B14F-4D97-AF65-F5344CB8AC3E}">
@@ -11342,10 +11498,214 @@
         </p:nvSpPr>
         <p:spPr/>
         <p:txBody>
-          <a:bodyPr/>
+          <a:bodyPr>
+            <a:normAutofit lnSpcReduction="10000"/>
+          </a:bodyPr>
           <a:lstStyle/>
           <a:p>
-            <a:endParaRPr lang="en-US"/>
+            <a:pPr marL="0" indent="0">
+              <a:buNone/>
+            </a:pPr>
+            <a:r>
+              <a:rPr lang="en-US" sz="1800" u="sng" dirty="0">
+                <a:effectLst/>
+                <a:latin typeface="Calibri" panose="020F0502020204030204" pitchFamily="34" charset="0"/>
+                <a:ea typeface="Calibri" panose="020F0502020204030204" pitchFamily="34" charset="0"/>
+                <a:cs typeface="Calibri" panose="020F0502020204030204" pitchFamily="34" charset="0"/>
+              </a:rPr>
+              <a:t>2</a:t>
+            </a:r>
+            <a:r>
+              <a:rPr lang="en-US" sz="1800" u="sng" baseline="30000" dirty="0">
+                <a:effectLst/>
+                <a:latin typeface="Calibri" panose="020F0502020204030204" pitchFamily="34" charset="0"/>
+                <a:ea typeface="Calibri" panose="020F0502020204030204" pitchFamily="34" charset="0"/>
+                <a:cs typeface="Calibri" panose="020F0502020204030204" pitchFamily="34" charset="0"/>
+              </a:rPr>
+              <a:t>nd</a:t>
+            </a:r>
+            <a:r>
+              <a:rPr lang="en-US" sz="1800" u="sng" dirty="0">
+                <a:effectLst/>
+                <a:latin typeface="Calibri" panose="020F0502020204030204" pitchFamily="34" charset="0"/>
+                <a:ea typeface="Calibri" panose="020F0502020204030204" pitchFamily="34" charset="0"/>
+                <a:cs typeface="Calibri" panose="020F0502020204030204" pitchFamily="34" charset="0"/>
+              </a:rPr>
+              <a:t> Scenario:</a:t>
+            </a:r>
+          </a:p>
+          <a:p>
+            <a:r>
+              <a:rPr lang="en-US" sz="1800" dirty="0">
+                <a:effectLst/>
+                <a:latin typeface="Calibri" panose="020F0502020204030204" pitchFamily="34" charset="0"/>
+                <a:ea typeface="Calibri" panose="020F0502020204030204" pitchFamily="34" charset="0"/>
+                <a:cs typeface="Calibri" panose="020F0502020204030204" pitchFamily="34" charset="0"/>
+              </a:rPr>
+              <a:t>This scenario predicts the change in ticket price </a:t>
+            </a:r>
+            <a:r>
+              <a:rPr lang="en-US" sz="1800" dirty="0">
+                <a:latin typeface="Calibri" panose="020F0502020204030204" pitchFamily="34" charset="0"/>
+                <a:ea typeface="Calibri" panose="020F0502020204030204" pitchFamily="34" charset="0"/>
+                <a:cs typeface="Calibri" panose="020F0502020204030204" pitchFamily="34" charset="0"/>
+              </a:rPr>
+              <a:t>if </a:t>
+            </a:r>
+            <a:r>
+              <a:rPr lang="en-US" sz="1800" dirty="0">
+                <a:effectLst/>
+                <a:latin typeface="Calibri" panose="020F0502020204030204" pitchFamily="34" charset="0"/>
+                <a:ea typeface="Calibri" panose="020F0502020204030204" pitchFamily="34" charset="0"/>
+                <a:cs typeface="Calibri" panose="020F0502020204030204" pitchFamily="34" charset="0"/>
+              </a:rPr>
+              <a:t>Big Mountain adds a run, increases the vertical drop by 150 feet, and installs an additional chair lift.</a:t>
+            </a:r>
+          </a:p>
+          <a:p>
+            <a:r>
+              <a:rPr lang="en-US" sz="1800" dirty="0">
+                <a:effectLst/>
+                <a:latin typeface="Calibri" panose="020F0502020204030204" pitchFamily="34" charset="0"/>
+                <a:ea typeface="Calibri" panose="020F0502020204030204" pitchFamily="34" charset="0"/>
+                <a:cs typeface="Calibri" panose="020F0502020204030204" pitchFamily="34" charset="0"/>
+              </a:rPr>
+              <a:t>This scenario increases support for ticket price by $1.99. </a:t>
+            </a:r>
+          </a:p>
+          <a:p>
+            <a:pPr marL="0" indent="0">
+              <a:buNone/>
+            </a:pPr>
+            <a:r>
+              <a:rPr lang="en-US" sz="1800" u="sng" dirty="0">
+                <a:effectLst/>
+                <a:latin typeface="Calibri" panose="020F0502020204030204" pitchFamily="34" charset="0"/>
+                <a:ea typeface="Calibri" panose="020F0502020204030204" pitchFamily="34" charset="0"/>
+                <a:cs typeface="Calibri" panose="020F0502020204030204" pitchFamily="34" charset="0"/>
+              </a:rPr>
+              <a:t>3</a:t>
+            </a:r>
+            <a:r>
+              <a:rPr lang="en-US" sz="1800" u="sng" baseline="30000" dirty="0">
+                <a:effectLst/>
+                <a:latin typeface="Calibri" panose="020F0502020204030204" pitchFamily="34" charset="0"/>
+                <a:ea typeface="Calibri" panose="020F0502020204030204" pitchFamily="34" charset="0"/>
+                <a:cs typeface="Calibri" panose="020F0502020204030204" pitchFamily="34" charset="0"/>
+              </a:rPr>
+              <a:t>rd</a:t>
+            </a:r>
+            <a:r>
+              <a:rPr lang="en-US" sz="1800" u="sng" dirty="0">
+                <a:effectLst/>
+                <a:latin typeface="Calibri" panose="020F0502020204030204" pitchFamily="34" charset="0"/>
+                <a:ea typeface="Calibri" panose="020F0502020204030204" pitchFamily="34" charset="0"/>
+                <a:cs typeface="Calibri" panose="020F0502020204030204" pitchFamily="34" charset="0"/>
+              </a:rPr>
+              <a:t> Scenario</a:t>
+            </a:r>
+          </a:p>
+          <a:p>
+            <a:r>
+              <a:rPr lang="en-US" sz="1800" dirty="0">
+                <a:effectLst/>
+                <a:latin typeface="Calibri" panose="020F0502020204030204" pitchFamily="34" charset="0"/>
+                <a:ea typeface="Calibri" panose="020F0502020204030204" pitchFamily="34" charset="0"/>
+                <a:cs typeface="Calibri" panose="020F0502020204030204" pitchFamily="34" charset="0"/>
+              </a:rPr>
+              <a:t>This is the same as Scenario 2 with an addition of adding 2 acres of snow making. </a:t>
+            </a:r>
+          </a:p>
+          <a:p>
+            <a:r>
+              <a:rPr lang="en-US" sz="1800" dirty="0">
+                <a:effectLst/>
+                <a:latin typeface="Calibri" panose="020F0502020204030204" pitchFamily="34" charset="0"/>
+                <a:ea typeface="Calibri" panose="020F0502020204030204" pitchFamily="34" charset="0"/>
+                <a:cs typeface="Calibri" panose="020F0502020204030204" pitchFamily="34" charset="0"/>
+              </a:rPr>
+              <a:t>Noted that this made no difference and still showed an increase in ticket price by $1.99. </a:t>
+            </a:r>
+          </a:p>
+          <a:p>
+            <a:pPr marL="0" indent="0">
+              <a:buNone/>
+            </a:pPr>
+            <a:r>
+              <a:rPr lang="en-US" sz="1800" u="sng" dirty="0">
+                <a:latin typeface="Calibri" panose="020F0502020204030204" pitchFamily="34" charset="0"/>
+                <a:ea typeface="Calibri" panose="020F0502020204030204" pitchFamily="34" charset="0"/>
+                <a:cs typeface="Calibri" panose="020F0502020204030204" pitchFamily="34" charset="0"/>
+              </a:rPr>
+              <a:t>4</a:t>
+            </a:r>
+            <a:r>
+              <a:rPr lang="en-US" sz="1800" u="sng" baseline="30000" dirty="0">
+                <a:latin typeface="Calibri" panose="020F0502020204030204" pitchFamily="34" charset="0"/>
+                <a:ea typeface="Calibri" panose="020F0502020204030204" pitchFamily="34" charset="0"/>
+                <a:cs typeface="Calibri" panose="020F0502020204030204" pitchFamily="34" charset="0"/>
+              </a:rPr>
+              <a:t>th</a:t>
+            </a:r>
+            <a:r>
+              <a:rPr lang="en-US" sz="1800" u="sng" dirty="0">
+                <a:latin typeface="Calibri" panose="020F0502020204030204" pitchFamily="34" charset="0"/>
+                <a:ea typeface="Calibri" panose="020F0502020204030204" pitchFamily="34" charset="0"/>
+                <a:cs typeface="Calibri" panose="020F0502020204030204" pitchFamily="34" charset="0"/>
+              </a:rPr>
+              <a:t> Scenario</a:t>
+            </a:r>
+            <a:endParaRPr lang="en-US" sz="1800" u="sng" dirty="0">
+              <a:effectLst/>
+              <a:latin typeface="Calibri" panose="020F0502020204030204" pitchFamily="34" charset="0"/>
+              <a:ea typeface="Calibri" panose="020F0502020204030204" pitchFamily="34" charset="0"/>
+              <a:cs typeface="Calibri" panose="020F0502020204030204" pitchFamily="34" charset="0"/>
+            </a:endParaRPr>
+          </a:p>
+          <a:p>
+            <a:r>
+              <a:rPr lang="en-US" sz="1800" dirty="0">
+                <a:effectLst/>
+                <a:latin typeface="Calibri" panose="020F0502020204030204" pitchFamily="34" charset="0"/>
+                <a:ea typeface="Calibri" panose="020F0502020204030204" pitchFamily="34" charset="0"/>
+                <a:cs typeface="Calibri" panose="020F0502020204030204" pitchFamily="34" charset="0"/>
+              </a:rPr>
+              <a:t>Scenario 4 </a:t>
+            </a:r>
+            <a:r>
+              <a:rPr lang="en-US" sz="1800" dirty="0">
+                <a:latin typeface="Calibri" panose="020F0502020204030204" pitchFamily="34" charset="0"/>
+                <a:ea typeface="Calibri" panose="020F0502020204030204" pitchFamily="34" charset="0"/>
+                <a:cs typeface="Calibri" panose="020F0502020204030204" pitchFamily="34" charset="0"/>
+              </a:rPr>
+              <a:t>shows the effect of </a:t>
+            </a:r>
+            <a:r>
+              <a:rPr lang="en-US" sz="1800" dirty="0">
+                <a:effectLst/>
+                <a:latin typeface="Calibri" panose="020F0502020204030204" pitchFamily="34" charset="0"/>
+                <a:ea typeface="Calibri" panose="020F0502020204030204" pitchFamily="34" charset="0"/>
+                <a:cs typeface="Calibri" panose="020F0502020204030204" pitchFamily="34" charset="0"/>
+              </a:rPr>
+              <a:t>increasing the longest run by .2 miles and guaranteeing its snow coverage by adding 4 acres of snow making capability. </a:t>
+            </a:r>
+          </a:p>
+          <a:p>
+            <a:r>
+              <a:rPr lang="en-US" sz="1800" dirty="0">
+                <a:effectLst/>
+                <a:latin typeface="Calibri" panose="020F0502020204030204" pitchFamily="34" charset="0"/>
+                <a:ea typeface="Calibri" panose="020F0502020204030204" pitchFamily="34" charset="0"/>
+                <a:cs typeface="Calibri" panose="020F0502020204030204" pitchFamily="34" charset="0"/>
+              </a:rPr>
+              <a:t>This scenario showed no difference as well.</a:t>
+            </a:r>
+            <a:endParaRPr lang="en-US" sz="1800" dirty="0">
+              <a:effectLst/>
+              <a:latin typeface="Calibri" panose="020F0502020204030204" pitchFamily="34" charset="0"/>
+              <a:ea typeface="Calibri" panose="020F0502020204030204" pitchFamily="34" charset="0"/>
+              <a:cs typeface="Times New Roman" panose="02020603050405020304" pitchFamily="18" charset="0"/>
+            </a:endParaRPr>
           </a:p>
         </p:txBody>
       </p:sp>
@@ -11423,12 +11783,85 @@
             <p:ph idx="1"/>
           </p:nvPr>
         </p:nvSpPr>
-        <p:spPr/>
+        <p:spPr>
+          <a:xfrm>
+            <a:off x="838200" y="2633493"/>
+            <a:ext cx="10515600" cy="2950561"/>
+          </a:xfrm>
+        </p:spPr>
         <p:txBody>
-          <a:bodyPr/>
+          <a:bodyPr>
+            <a:normAutofit/>
+          </a:bodyPr>
           <a:lstStyle/>
           <a:p>
-            <a:endParaRPr lang="en-US"/>
+            <a:r>
+              <a:rPr lang="en-US" sz="1800" dirty="0">
+                <a:solidFill>
+                  <a:schemeClr val="tx1">
+                    <a:lumMod val="85000"/>
+                    <a:lumOff val="15000"/>
+                  </a:schemeClr>
+                </a:solidFill>
+                <a:latin typeface="Calibri" panose="020F0502020204030204" pitchFamily="34" charset="0"/>
+                <a:cs typeface="Calibri" panose="020F0502020204030204" pitchFamily="34" charset="0"/>
+              </a:rPr>
+              <a:t>Based on the analysis done, Big Mountain Resort can increase their profits by nearly $10 million by making a few changes.</a:t>
+            </a:r>
+          </a:p>
+          <a:p>
+            <a:pPr algn="l"/>
+            <a:r>
+              <a:rPr lang="en-US" sz="1800" b="0" i="0" dirty="0">
+                <a:solidFill>
+                  <a:schemeClr val="tx1">
+                    <a:lumMod val="85000"/>
+                    <a:lumOff val="15000"/>
+                  </a:schemeClr>
+                </a:solidFill>
+                <a:effectLst/>
+                <a:latin typeface="Calibri" panose="020F0502020204030204" pitchFamily="34" charset="0"/>
+                <a:cs typeface="Calibri" panose="020F0502020204030204" pitchFamily="34" charset="0"/>
+              </a:rPr>
+              <a:t>Additional details on the other current operating costs and details on the cost to implement each change would be beneficial to further assist with making decisions.</a:t>
+            </a:r>
+          </a:p>
+          <a:p>
+            <a:pPr algn="l"/>
+            <a:r>
+              <a:rPr lang="en-US" sz="1800" b="0" i="0" dirty="0">
+                <a:solidFill>
+                  <a:schemeClr val="tx1">
+                    <a:lumMod val="85000"/>
+                    <a:lumOff val="15000"/>
+                  </a:schemeClr>
+                </a:solidFill>
+                <a:effectLst/>
+                <a:latin typeface="Calibri" panose="020F0502020204030204" pitchFamily="34" charset="0"/>
+                <a:cs typeface="Calibri" panose="020F0502020204030204" pitchFamily="34" charset="0"/>
+              </a:rPr>
+              <a:t>As it may be difficult to implement a drastic price increase all at once, business may choose to gradually change the price. </a:t>
+            </a:r>
+          </a:p>
+          <a:p>
+            <a:pPr algn="l"/>
+            <a:r>
+              <a:rPr lang="en-US" sz="1800" b="0" i="0" dirty="0">
+                <a:solidFill>
+                  <a:schemeClr val="tx1">
+                    <a:lumMod val="85000"/>
+                    <a:lumOff val="15000"/>
+                  </a:schemeClr>
+                </a:solidFill>
+                <a:effectLst/>
+                <a:latin typeface="Calibri" panose="020F0502020204030204" pitchFamily="34" charset="0"/>
+                <a:cs typeface="Calibri" panose="020F0502020204030204" pitchFamily="34" charset="0"/>
+              </a:rPr>
+              <a:t>We will provide Big Mountain Resort access to the model so that you can use it in order to test scenarios and assist with decision making in the future.</a:t>
+            </a:r>
+          </a:p>
+          <a:p>
+            <a:endParaRPr lang="en-US" dirty="0"/>
           </a:p>
         </p:txBody>
       </p:sp>
@@ -11533,7 +11966,7 @@
           <a:lstStyle/>
           <a:p>
             <a:pPr algn="ctr"/>
-            <a:endParaRPr lang="en-US">
+            <a:endParaRPr lang="en-US" dirty="0">
               <a:solidFill>
                 <a:schemeClr val="tx1">
                   <a:lumMod val="65000"/>
@@ -11674,7 +12107,7 @@
               </a:spcAft>
             </a:pPr>
             <a:r>
-              <a:rPr lang="en-US">
+              <a:rPr lang="en-US" dirty="0">
                 <a:solidFill>
                   <a:schemeClr val="tx1">
                     <a:lumMod val="65000"/>
@@ -11817,7 +12250,7 @@
               </a:spcAft>
             </a:pPr>
             <a:r>
-              <a:rPr lang="en-US">
+              <a:rPr lang="en-US" dirty="0">
                 <a:solidFill>
                   <a:schemeClr val="tx1">
                     <a:lumMod val="65000"/>
@@ -12261,7 +12694,7 @@
           <a:lstStyle/>
           <a:p>
             <a:pPr algn="ctr"/>
-            <a:endParaRPr lang="en-US"/>
+            <a:endParaRPr lang="en-US" dirty="0"/>
           </a:p>
         </p:txBody>
       </p:sp>
@@ -12529,7 +12962,7 @@
             <a:bodyPr rtlCol="0" anchor="ctr"/>
             <a:lstStyle/>
             <a:p>
-              <a:endParaRPr lang="en-US"/>
+              <a:endParaRPr lang="en-US" dirty="0"/>
             </a:p>
           </p:txBody>
         </p:sp>
@@ -12805,7 +13238,7 @@
             <a:bodyPr rtlCol="0" anchor="ctr"/>
             <a:lstStyle/>
             <a:p>
-              <a:endParaRPr lang="en-US"/>
+              <a:endParaRPr lang="en-US" dirty="0"/>
             </a:p>
           </p:txBody>
         </p:sp>
@@ -13061,7 +13494,7 @@
             <a:bodyPr rtlCol="0" anchor="ctr"/>
             <a:lstStyle/>
             <a:p>
-              <a:endParaRPr lang="en-US"/>
+              <a:endParaRPr lang="en-US" dirty="0"/>
             </a:p>
           </p:txBody>
         </p:sp>
@@ -13287,7 +13720,7 @@
             <a:bodyPr rtlCol="0" anchor="ctr"/>
             <a:lstStyle/>
             <a:p>
-              <a:endParaRPr lang="en-US"/>
+              <a:endParaRPr lang="en-US" dirty="0"/>
             </a:p>
           </p:txBody>
         </p:sp>
@@ -13453,7 +13886,7 @@
             <a:bodyPr rtlCol="0" anchor="ctr"/>
             <a:lstStyle/>
             <a:p>
-              <a:endParaRPr lang="en-US"/>
+              <a:endParaRPr lang="en-US" dirty="0"/>
             </a:p>
           </p:txBody>
         </p:sp>
@@ -13599,7 +14032,7 @@
             <a:bodyPr rtlCol="0" anchor="ctr"/>
             <a:lstStyle/>
             <a:p>
-              <a:endParaRPr lang="en-US"/>
+              <a:endParaRPr lang="en-US" dirty="0"/>
             </a:p>
           </p:txBody>
         </p:sp>
@@ -13755,7 +14188,7 @@
             <a:bodyPr rtlCol="0" anchor="ctr"/>
             <a:lstStyle/>
             <a:p>
-              <a:endParaRPr lang="en-US"/>
+              <a:endParaRPr lang="en-US" dirty="0"/>
             </a:p>
           </p:txBody>
         </p:sp>
@@ -14144,7 +14577,7 @@
             <a:bodyPr rtlCol="0" anchor="ctr"/>
             <a:lstStyle/>
             <a:p>
-              <a:endParaRPr lang="en-US"/>
+              <a:endParaRPr lang="en-US" dirty="0"/>
             </a:p>
           </p:txBody>
         </p:sp>
@@ -14440,7 +14873,7 @@
             <a:bodyPr rtlCol="0" anchor="ctr"/>
             <a:lstStyle/>
             <a:p>
-              <a:endParaRPr lang="en-US"/>
+              <a:endParaRPr lang="en-US" dirty="0"/>
             </a:p>
           </p:txBody>
         </p:sp>
@@ -14516,7 +14949,7 @@
             <a:bodyPr rtlCol="0" anchor="ctr"/>
             <a:lstStyle/>
             <a:p>
-              <a:endParaRPr lang="en-US"/>
+              <a:endParaRPr lang="en-US" dirty="0"/>
             </a:p>
           </p:txBody>
         </p:sp>
@@ -14592,7 +15025,7 @@
             <a:bodyPr rtlCol="0" anchor="ctr"/>
             <a:lstStyle/>
             <a:p>
-              <a:endParaRPr lang="en-US"/>
+              <a:endParaRPr lang="en-US" dirty="0"/>
             </a:p>
           </p:txBody>
         </p:sp>
@@ -14758,7 +15191,7 @@
             <a:bodyPr rtlCol="0" anchor="ctr"/>
             <a:lstStyle/>
             <a:p>
-              <a:endParaRPr lang="en-US"/>
+              <a:endParaRPr lang="en-US" dirty="0"/>
             </a:p>
           </p:txBody>
         </p:sp>
@@ -14934,7 +15367,7 @@
             <a:bodyPr rtlCol="0" anchor="ctr"/>
             <a:lstStyle/>
             <a:p>
-              <a:endParaRPr lang="en-US"/>
+              <a:endParaRPr lang="en-US" dirty="0"/>
             </a:p>
           </p:txBody>
         </p:sp>
@@ -15130,7 +15563,7 @@
             <a:bodyPr rtlCol="0" anchor="ctr"/>
             <a:lstStyle/>
             <a:p>
-              <a:endParaRPr lang="en-US"/>
+              <a:endParaRPr lang="en-US" dirty="0"/>
             </a:p>
           </p:txBody>
         </p:sp>
@@ -15195,7 +15628,7 @@
           <a:lstStyle/>
           <a:p>
             <a:pPr algn="ctr"/>
-            <a:endParaRPr lang="en-US">
+            <a:endParaRPr lang="en-US" dirty="0">
               <a:solidFill>
                 <a:schemeClr val="tx1">
                   <a:lumMod val="65000"/>
@@ -15266,7 +15699,7 @@
           <a:lstStyle/>
           <a:p>
             <a:pPr algn="ctr"/>
-            <a:endParaRPr lang="en-US">
+            <a:endParaRPr lang="en-US" dirty="0">
               <a:solidFill>
                 <a:schemeClr val="tx1">
                   <a:lumMod val="65000"/>
@@ -15431,7 +15864,7 @@
             <a:lstStyle/>
             <a:p>
               <a:pPr algn="ctr"/>
-              <a:endParaRPr lang="en-US">
+              <a:endParaRPr lang="en-US" dirty="0">
                 <a:solidFill>
                   <a:schemeClr val="tx1">
                     <a:lumMod val="65000"/>
@@ -15955,7 +16388,7 @@
             <a:bodyPr rtlCol="0" anchor="ctr"/>
             <a:lstStyle/>
             <a:p>
-              <a:endParaRPr lang="en-US"/>
+              <a:endParaRPr lang="en-US" dirty="0"/>
             </a:p>
           </p:txBody>
         </p:sp>
@@ -16641,7 +17074,7 @@
             <a:bodyPr rtlCol="0" anchor="ctr"/>
             <a:lstStyle/>
             <a:p>
-              <a:endParaRPr lang="en-US"/>
+              <a:endParaRPr lang="en-US" dirty="0"/>
             </a:p>
           </p:txBody>
         </p:sp>
@@ -17287,7 +17720,7 @@
             <a:bodyPr rtlCol="0" anchor="ctr"/>
             <a:lstStyle/>
             <a:p>
-              <a:endParaRPr lang="en-US"/>
+              <a:endParaRPr lang="en-US" dirty="0"/>
             </a:p>
           </p:txBody>
         </p:sp>
@@ -17793,7 +18226,7 @@
             <a:bodyPr rtlCol="0" anchor="ctr"/>
             <a:lstStyle/>
             <a:p>
-              <a:endParaRPr lang="en-US"/>
+              <a:endParaRPr lang="en-US" dirty="0"/>
             </a:p>
           </p:txBody>
         </p:sp>
@@ -18099,7 +18532,7 @@
             <a:bodyPr rtlCol="0" anchor="ctr"/>
             <a:lstStyle/>
             <a:p>
-              <a:endParaRPr lang="en-US"/>
+              <a:endParaRPr lang="en-US" dirty="0"/>
             </a:p>
           </p:txBody>
         </p:sp>
@@ -18154,7 +18587,7 @@
             <a:bodyPr rtlCol="0" anchor="ctr"/>
             <a:lstStyle/>
             <a:p>
-              <a:endParaRPr lang="en-US"/>
+              <a:endParaRPr lang="en-US" dirty="0"/>
             </a:p>
           </p:txBody>
         </p:sp>
@@ -18209,7 +18642,7 @@
             <a:bodyPr rtlCol="0" anchor="ctr"/>
             <a:lstStyle/>
             <a:p>
-              <a:endParaRPr lang="en-US"/>
+              <a:endParaRPr lang="en-US" dirty="0"/>
             </a:p>
           </p:txBody>
         </p:sp>
@@ -18264,7 +18697,7 @@
             <a:bodyPr rtlCol="0" anchor="ctr"/>
             <a:lstStyle/>
             <a:p>
-              <a:endParaRPr lang="en-US"/>
+              <a:endParaRPr lang="en-US" dirty="0"/>
             </a:p>
           </p:txBody>
         </p:sp>
@@ -18540,7 +18973,7 @@
             <a:bodyPr rtlCol="0" anchor="ctr"/>
             <a:lstStyle/>
             <a:p>
-              <a:endParaRPr lang="en-US"/>
+              <a:endParaRPr lang="en-US" dirty="0"/>
             </a:p>
           </p:txBody>
         </p:sp>
@@ -18646,7 +19079,7 @@
             <a:bodyPr rtlCol="0" anchor="ctr"/>
             <a:lstStyle/>
             <a:p>
-              <a:endParaRPr lang="en-US"/>
+              <a:endParaRPr lang="en-US" dirty="0"/>
             </a:p>
           </p:txBody>
         </p:sp>
@@ -18922,7 +19355,7 @@
             <a:bodyPr rtlCol="0" anchor="ctr"/>
             <a:lstStyle/>
             <a:p>
-              <a:endParaRPr lang="en-US"/>
+              <a:endParaRPr lang="en-US" dirty="0"/>
             </a:p>
           </p:txBody>
         </p:sp>
@@ -19119,7 +19552,7 @@
             <a:bodyPr rtlCol="0" anchor="ctr"/>
             <a:lstStyle/>
             <a:p>
-              <a:endParaRPr lang="en-US"/>
+              <a:endParaRPr lang="en-US" dirty="0"/>
             </a:p>
           </p:txBody>
         </p:sp>
@@ -19286,7 +19719,7 @@
             <a:bodyPr rtlCol="0" anchor="ctr"/>
             <a:lstStyle/>
             <a:p>
-              <a:endParaRPr lang="en-US"/>
+              <a:endParaRPr lang="en-US" dirty="0"/>
             </a:p>
           </p:txBody>
         </p:sp>
@@ -19433,7 +19866,7 @@
             <a:bodyPr rtlCol="0" anchor="ctr"/>
             <a:lstStyle/>
             <a:p>
-              <a:endParaRPr lang="en-US"/>
+              <a:endParaRPr lang="en-US" dirty="0"/>
             </a:p>
           </p:txBody>
         </p:sp>
@@ -19709,7 +20142,7 @@
             <a:bodyPr rtlCol="0" anchor="ctr"/>
             <a:lstStyle/>
             <a:p>
-              <a:endParaRPr lang="en-US"/>
+              <a:endParaRPr lang="en-US" dirty="0"/>
             </a:p>
           </p:txBody>
         </p:sp>
@@ -19925,7 +20358,7 @@
             <a:bodyPr rtlCol="0" anchor="ctr"/>
             <a:lstStyle/>
             <a:p>
-              <a:endParaRPr lang="en-US"/>
+              <a:endParaRPr lang="en-US" dirty="0"/>
             </a:p>
           </p:txBody>
         </p:sp>
@@ -20081,7 +20514,7 @@
             <a:bodyPr rtlCol="0" anchor="ctr"/>
             <a:lstStyle/>
             <a:p>
-              <a:endParaRPr lang="en-US"/>
+              <a:endParaRPr lang="en-US" dirty="0"/>
             </a:p>
           </p:txBody>
         </p:sp>
@@ -20207,7 +20640,7 @@
             <a:bodyPr rtlCol="0" anchor="ctr"/>
             <a:lstStyle/>
             <a:p>
-              <a:endParaRPr lang="en-US"/>
+              <a:endParaRPr lang="en-US" dirty="0"/>
             </a:p>
           </p:txBody>
         </p:sp>
@@ -20323,7 +20756,7 @@
             <a:bodyPr rtlCol="0" anchor="ctr"/>
             <a:lstStyle/>
             <a:p>
-              <a:endParaRPr lang="en-US"/>
+              <a:endParaRPr lang="en-US" dirty="0"/>
             </a:p>
           </p:txBody>
         </p:sp>
@@ -20419,7 +20852,7 @@
             <a:bodyPr rtlCol="0" anchor="ctr"/>
             <a:lstStyle/>
             <a:p>
-              <a:endParaRPr lang="en-US"/>
+              <a:endParaRPr lang="en-US" dirty="0"/>
             </a:p>
           </p:txBody>
         </p:sp>
@@ -20866,7 +21299,7 @@
             <a:bodyPr rtlCol="0" anchor="ctr"/>
             <a:lstStyle/>
             <a:p>
-              <a:endParaRPr lang="en-US"/>
+              <a:endParaRPr lang="en-US" dirty="0"/>
             </a:p>
           </p:txBody>
         </p:sp>
@@ -21303,7 +21736,7 @@
             <a:bodyPr rtlCol="0" anchor="ctr"/>
             <a:lstStyle/>
             <a:p>
-              <a:endParaRPr lang="en-US"/>
+              <a:endParaRPr lang="en-US" dirty="0"/>
             </a:p>
           </p:txBody>
         </p:sp>
@@ -21650,7 +22083,7 @@
             <a:bodyPr rtlCol="0" anchor="ctr"/>
             <a:lstStyle/>
             <a:p>
-              <a:endParaRPr lang="en-US"/>
+              <a:endParaRPr lang="en-US" dirty="0"/>
             </a:p>
           </p:txBody>
         </p:sp>
@@ -21907,7 +22340,7 @@
             <a:bodyPr rtlCol="0" anchor="ctr"/>
             <a:lstStyle/>
             <a:p>
-              <a:endParaRPr lang="en-US"/>
+              <a:endParaRPr lang="en-US" dirty="0"/>
             </a:p>
           </p:txBody>
         </p:sp>
@@ -22084,7 +22517,7 @@
             <a:bodyPr rtlCol="0" anchor="ctr"/>
             <a:lstStyle/>
             <a:p>
-              <a:endParaRPr lang="en-US"/>
+              <a:endParaRPr lang="en-US" dirty="0"/>
             </a:p>
           </p:txBody>
         </p:sp>
@@ -22251,7 +22684,7 @@
             <a:bodyPr rtlCol="0" anchor="ctr"/>
             <a:lstStyle/>
             <a:p>
-              <a:endParaRPr lang="en-US"/>
+              <a:endParaRPr lang="en-US" dirty="0"/>
             </a:p>
           </p:txBody>
         </p:sp>
@@ -22409,7 +22842,7 @@
             <a:lstStyle/>
             <a:p>
               <a:pPr algn="ctr"/>
-              <a:endParaRPr lang="en-US">
+              <a:endParaRPr lang="en-US" dirty="0">
                 <a:solidFill>
                   <a:schemeClr val="tx1">
                     <a:lumMod val="65000"/>
@@ -22803,7 +23236,7 @@
               <a:bodyPr rtlCol="0" anchor="ctr"/>
               <a:lstStyle/>
               <a:p>
-                <a:endParaRPr lang="en-US"/>
+                <a:endParaRPr lang="en-US" dirty="0"/>
               </a:p>
             </p:txBody>
           </p:sp>
@@ -23099,7 +23532,7 @@
               <a:bodyPr rtlCol="0" anchor="ctr"/>
               <a:lstStyle/>
               <a:p>
-                <a:endParaRPr lang="en-US"/>
+                <a:endParaRPr lang="en-US" dirty="0"/>
               </a:p>
             </p:txBody>
           </p:sp>
@@ -23175,7 +23608,7 @@
               <a:bodyPr rtlCol="0" anchor="ctr"/>
               <a:lstStyle/>
               <a:p>
-                <a:endParaRPr lang="en-US"/>
+                <a:endParaRPr lang="en-US" dirty="0"/>
               </a:p>
             </p:txBody>
           </p:sp>
@@ -23251,7 +23684,7 @@
               <a:bodyPr rtlCol="0" anchor="ctr"/>
               <a:lstStyle/>
               <a:p>
-                <a:endParaRPr lang="en-US"/>
+                <a:endParaRPr lang="en-US" dirty="0"/>
               </a:p>
             </p:txBody>
           </p:sp>
@@ -23417,7 +23850,7 @@
               <a:bodyPr rtlCol="0" anchor="ctr"/>
               <a:lstStyle/>
               <a:p>
-                <a:endParaRPr lang="en-US"/>
+                <a:endParaRPr lang="en-US" dirty="0"/>
               </a:p>
             </p:txBody>
           </p:sp>
@@ -23593,7 +24026,7 @@
               <a:bodyPr rtlCol="0" anchor="ctr"/>
               <a:lstStyle/>
               <a:p>
-                <a:endParaRPr lang="en-US"/>
+                <a:endParaRPr lang="en-US" dirty="0"/>
               </a:p>
             </p:txBody>
           </p:sp>
@@ -23789,7 +24222,7 @@
               <a:bodyPr rtlCol="0" anchor="ctr"/>
               <a:lstStyle/>
               <a:p>
-                <a:endParaRPr lang="en-US"/>
+                <a:endParaRPr lang="en-US" dirty="0"/>
               </a:p>
             </p:txBody>
           </p:sp>
@@ -24222,7 +24655,7 @@
             <a:lstStyle/>
             <a:p>
               <a:pPr algn="ctr"/>
-              <a:endParaRPr lang="en-US"/>
+              <a:endParaRPr lang="en-US" dirty="0"/>
             </a:p>
           </p:txBody>
         </p:sp>
